--- a/Учебная (ознакомительная) практика/Презентация отчета.pptx
+++ b/Учебная (ознакомительная) практика/Презентация отчета.pptx
@@ -141,7 +141,7 @@
   <pc:docChgLst>
     <pc:chgData name="Максим Мясников" userId="eb1110bc54b184a5" providerId="LiveId" clId="{A2428F48-EFAB-4F7A-AA4A-4DF7BB9402D9}"/>
     <pc:docChg chg="undo redo custSel addSld delSld modSld">
-      <pc:chgData name="Максим Мясников" userId="eb1110bc54b184a5" providerId="LiveId" clId="{A2428F48-EFAB-4F7A-AA4A-4DF7BB9402D9}" dt="2021-12-24T14:15:27.241" v="3184" actId="20577"/>
+      <pc:chgData name="Максим Мясников" userId="eb1110bc54b184a5" providerId="LiveId" clId="{A2428F48-EFAB-4F7A-AA4A-4DF7BB9402D9}" dt="2021-12-27T07:00:02.915" v="3190" actId="20577"/>
       <pc:docMkLst>
         <pc:docMk/>
       </pc:docMkLst>
@@ -743,7 +743,7 @@
         </pc:graphicFrameChg>
       </pc:sldChg>
       <pc:sldChg chg="addSp delSp modSp mod">
-        <pc:chgData name="Максим Мясников" userId="eb1110bc54b184a5" providerId="LiveId" clId="{A2428F48-EFAB-4F7A-AA4A-4DF7BB9402D9}" dt="2021-12-19T13:49:56.431" v="2850" actId="20577"/>
+        <pc:chgData name="Максим Мясников" userId="eb1110bc54b184a5" providerId="LiveId" clId="{A2428F48-EFAB-4F7A-AA4A-4DF7BB9402D9}" dt="2021-12-27T07:00:02.915" v="3190" actId="20577"/>
         <pc:sldMkLst>
           <pc:docMk/>
           <pc:sldMk cId="0" sldId="260"/>
@@ -789,7 +789,7 @@
           </ac:graphicFrameMkLst>
         </pc:graphicFrameChg>
         <pc:graphicFrameChg chg="mod modGraphic">
-          <ac:chgData name="Максим Мясников" userId="eb1110bc54b184a5" providerId="LiveId" clId="{A2428F48-EFAB-4F7A-AA4A-4DF7BB9402D9}" dt="2021-12-19T13:49:56.431" v="2850" actId="20577"/>
+          <ac:chgData name="Максим Мясников" userId="eb1110bc54b184a5" providerId="LiveId" clId="{A2428F48-EFAB-4F7A-AA4A-4DF7BB9402D9}" dt="2021-12-27T07:00:02.915" v="3190" actId="20577"/>
           <ac:graphicFrameMkLst>
             <pc:docMk/>
             <pc:sldMk cId="0" sldId="260"/>
@@ -1327,7 +1327,7 @@
             <a:fld id="{D3F45E69-51FF-4017-B855-FA6AEE2AB1D5}" type="datetimeFigureOut">
               <a:rPr lang="ru-RU" smtClean="0"/>
               <a:pPr/>
-              <a:t>24.12.2021</a:t>
+              <a:t>27.12.2021</a:t>
             </a:fld>
             <a:endParaRPr lang="ru-RU"/>
           </a:p>
@@ -1492,7 +1492,7 @@
             <a:fld id="{D3F45E69-51FF-4017-B855-FA6AEE2AB1D5}" type="datetimeFigureOut">
               <a:rPr lang="ru-RU" smtClean="0"/>
               <a:pPr/>
-              <a:t>24.12.2021</a:t>
+              <a:t>27.12.2021</a:t>
             </a:fld>
             <a:endParaRPr lang="ru-RU"/>
           </a:p>
@@ -1667,7 +1667,7 @@
             <a:fld id="{D3F45E69-51FF-4017-B855-FA6AEE2AB1D5}" type="datetimeFigureOut">
               <a:rPr lang="ru-RU" smtClean="0"/>
               <a:pPr/>
-              <a:t>24.12.2021</a:t>
+              <a:t>27.12.2021</a:t>
             </a:fld>
             <a:endParaRPr lang="ru-RU"/>
           </a:p>
@@ -1832,7 +1832,7 @@
             <a:fld id="{D3F45E69-51FF-4017-B855-FA6AEE2AB1D5}" type="datetimeFigureOut">
               <a:rPr lang="ru-RU" smtClean="0"/>
               <a:pPr/>
-              <a:t>24.12.2021</a:t>
+              <a:t>27.12.2021</a:t>
             </a:fld>
             <a:endParaRPr lang="ru-RU"/>
           </a:p>
@@ -2074,7 +2074,7 @@
             <a:fld id="{D3F45E69-51FF-4017-B855-FA6AEE2AB1D5}" type="datetimeFigureOut">
               <a:rPr lang="ru-RU" smtClean="0"/>
               <a:pPr/>
-              <a:t>24.12.2021</a:t>
+              <a:t>27.12.2021</a:t>
             </a:fld>
             <a:endParaRPr lang="ru-RU"/>
           </a:p>
@@ -2356,7 +2356,7 @@
             <a:fld id="{D3F45E69-51FF-4017-B855-FA6AEE2AB1D5}" type="datetimeFigureOut">
               <a:rPr lang="ru-RU" smtClean="0"/>
               <a:pPr/>
-              <a:t>24.12.2021</a:t>
+              <a:t>27.12.2021</a:t>
             </a:fld>
             <a:endParaRPr lang="ru-RU"/>
           </a:p>
@@ -2772,7 +2772,7 @@
             <a:fld id="{D3F45E69-51FF-4017-B855-FA6AEE2AB1D5}" type="datetimeFigureOut">
               <a:rPr lang="ru-RU" smtClean="0"/>
               <a:pPr/>
-              <a:t>24.12.2021</a:t>
+              <a:t>27.12.2021</a:t>
             </a:fld>
             <a:endParaRPr lang="ru-RU"/>
           </a:p>
@@ -2886,7 +2886,7 @@
             <a:fld id="{D3F45E69-51FF-4017-B855-FA6AEE2AB1D5}" type="datetimeFigureOut">
               <a:rPr lang="ru-RU" smtClean="0"/>
               <a:pPr/>
-              <a:t>24.12.2021</a:t>
+              <a:t>27.12.2021</a:t>
             </a:fld>
             <a:endParaRPr lang="ru-RU"/>
           </a:p>
@@ -2978,7 +2978,7 @@
             <a:fld id="{D3F45E69-51FF-4017-B855-FA6AEE2AB1D5}" type="datetimeFigureOut">
               <a:rPr lang="ru-RU" smtClean="0"/>
               <a:pPr/>
-              <a:t>24.12.2021</a:t>
+              <a:t>27.12.2021</a:t>
             </a:fld>
             <a:endParaRPr lang="ru-RU"/>
           </a:p>
@@ -3250,7 +3250,7 @@
             <a:fld id="{D3F45E69-51FF-4017-B855-FA6AEE2AB1D5}" type="datetimeFigureOut">
               <a:rPr lang="ru-RU" smtClean="0"/>
               <a:pPr/>
-              <a:t>24.12.2021</a:t>
+              <a:t>27.12.2021</a:t>
             </a:fld>
             <a:endParaRPr lang="ru-RU"/>
           </a:p>
@@ -3499,7 +3499,7 @@
             <a:fld id="{D3F45E69-51FF-4017-B855-FA6AEE2AB1D5}" type="datetimeFigureOut">
               <a:rPr lang="ru-RU" smtClean="0"/>
               <a:pPr/>
-              <a:t>24.12.2021</a:t>
+              <a:t>27.12.2021</a:t>
             </a:fld>
             <a:endParaRPr lang="ru-RU"/>
           </a:p>
@@ -3707,7 +3707,7 @@
             <a:fld id="{D3F45E69-51FF-4017-B855-FA6AEE2AB1D5}" type="datetimeFigureOut">
               <a:rPr lang="ru-RU" smtClean="0"/>
               <a:pPr/>
-              <a:t>24.12.2021</a:t>
+              <a:t>27.12.2021</a:t>
             </a:fld>
             <a:endParaRPr lang="ru-RU"/>
           </a:p>
@@ -10684,7 +10684,7 @@
           <p:nvPr>
             <p:extLst>
               <p:ext uri="{D42A27DB-BD31-4B8C-83A1-F6EECF244321}">
-                <p14:modId xmlns:p14="http://schemas.microsoft.com/office/powerpoint/2010/main" val="911326974"/>
+                <p14:modId xmlns:p14="http://schemas.microsoft.com/office/powerpoint/2010/main" val="1647731027"/>
               </p:ext>
             </p:extLst>
           </p:nvPr>
@@ -11718,7 +11718,7 @@
                       <a:pPr algn="l"/>
                       <a:r>
                         <a:rPr lang="ru-RU" sz="1600" dirty="0"/>
-                        <a:t>Нет</a:t>
+                        <a:t>Да</a:t>
                       </a:r>
                     </a:p>
                   </a:txBody>
@@ -12150,10 +12150,9 @@
                     <a:p>
                       <a:pPr algn="l"/>
                       <a:r>
-                        <a:rPr lang="ru-RU" sz="1600"/>
+                        <a:rPr lang="ru-RU" sz="1600" dirty="0"/>
                         <a:t>Да</a:t>
                       </a:r>
-                      <a:endParaRPr lang="ru-RU" sz="1600" dirty="0"/>
                     </a:p>
                   </a:txBody>
                   <a:tcPr anchor="ctr" horzOverflow="overflow"/>
